--- a/Docs/Presentations/Slides/#10.pptx
+++ b/Docs/Presentations/Slides/#10.pptx
@@ -4,10 +4,14 @@
   <p:sldMasterIdLst>
     <p:sldMasterId id="2147483648" r:id="rId1"/>
   </p:sldMasterIdLst>
+  <p:notesMasterIdLst>
+    <p:notesMasterId r:id="rId6"/>
+  </p:notesMasterIdLst>
   <p:sldIdLst>
-    <p:sldId id="257" r:id="rId2"/>
-    <p:sldId id="258" r:id="rId3"/>
-    <p:sldId id="259" r:id="rId4"/>
+    <p:sldId id="258" r:id="rId2"/>
+    <p:sldId id="259" r:id="rId3"/>
+    <p:sldId id="260" r:id="rId4"/>
+    <p:sldId id="262" r:id="rId5"/>
   </p:sldIdLst>
   <p:sldSz cx="12192000" cy="6858000"/>
   <p:notesSz cx="6858000" cy="9144000"/>
@@ -114,6 +118,356 @@
 </p:presentation>
 </file>
 
+<file path=ppt/notesMasters/notesMaster1.xml><?xml version="1.0" encoding="utf-8"?>
+<p:notesMaster xmlns:a="http://schemas.openxmlformats.org/drawingml/2006/main" xmlns:r="http://schemas.openxmlformats.org/officeDocument/2006/relationships" xmlns:p="http://schemas.openxmlformats.org/presentationml/2006/main">
+  <p:cSld>
+    <p:bg>
+      <p:bgRef idx="1001">
+        <a:schemeClr val="bg1"/>
+      </p:bgRef>
+    </p:bg>
+    <p:spTree>
+      <p:nvGrpSpPr>
+        <p:cNvPr id="1" name=""/>
+        <p:cNvGrpSpPr/>
+        <p:nvPr/>
+      </p:nvGrpSpPr>
+      <p:grpSpPr>
+        <a:xfrm>
+          <a:off x="0" y="0"/>
+          <a:ext cx="0" cy="0"/>
+          <a:chOff x="0" y="0"/>
+          <a:chExt cx="0" cy="0"/>
+        </a:xfrm>
+      </p:grpSpPr>
+      <p:sp>
+        <p:nvSpPr>
+          <p:cNvPr id="2" name="Header Placeholder 1"/>
+          <p:cNvSpPr>
+            <a:spLocks noGrp="1"/>
+          </p:cNvSpPr>
+          <p:nvPr>
+            <p:ph type="hdr" sz="quarter"/>
+          </p:nvPr>
+        </p:nvSpPr>
+        <p:spPr>
+          <a:xfrm>
+            <a:off x="0" y="0"/>
+            <a:ext cx="2971800" cy="458788"/>
+          </a:xfrm>
+          <a:prstGeom prst="rect">
+            <a:avLst/>
+          </a:prstGeom>
+        </p:spPr>
+        <p:txBody>
+          <a:bodyPr vert="horz" lIns="91440" tIns="45720" rIns="91440" bIns="45720" rtlCol="0"/>
+          <a:lstStyle>
+            <a:lvl1pPr algn="l">
+              <a:defRPr sz="1200"/>
+            </a:lvl1pPr>
+          </a:lstStyle>
+          <a:p>
+            <a:endParaRPr lang="en-US"/>
+          </a:p>
+        </p:txBody>
+      </p:sp>
+      <p:sp>
+        <p:nvSpPr>
+          <p:cNvPr id="3" name="Date Placeholder 2"/>
+          <p:cNvSpPr>
+            <a:spLocks noGrp="1"/>
+          </p:cNvSpPr>
+          <p:nvPr>
+            <p:ph type="dt" idx="1"/>
+          </p:nvPr>
+        </p:nvSpPr>
+        <p:spPr>
+          <a:xfrm>
+            <a:off x="3884613" y="0"/>
+            <a:ext cx="2971800" cy="458788"/>
+          </a:xfrm>
+          <a:prstGeom prst="rect">
+            <a:avLst/>
+          </a:prstGeom>
+        </p:spPr>
+        <p:txBody>
+          <a:bodyPr vert="horz" lIns="91440" tIns="45720" rIns="91440" bIns="45720" rtlCol="0"/>
+          <a:lstStyle>
+            <a:lvl1pPr algn="r">
+              <a:defRPr sz="1200"/>
+            </a:lvl1pPr>
+          </a:lstStyle>
+          <a:p>
+            <a:fld id="{A87E1AD5-45AB-4919-9EE6-89A5F82FD166}" type="datetimeFigureOut">
+              <a:rPr lang="en-US" smtClean="0"/>
+              <a:t>6/7/2017</a:t>
+            </a:fld>
+            <a:endParaRPr lang="en-US"/>
+          </a:p>
+        </p:txBody>
+      </p:sp>
+      <p:sp>
+        <p:nvSpPr>
+          <p:cNvPr id="4" name="Slide Image Placeholder 3"/>
+          <p:cNvSpPr>
+            <a:spLocks noGrp="1" noRot="1" noChangeAspect="1"/>
+          </p:cNvSpPr>
+          <p:nvPr>
+            <p:ph type="sldImg" idx="2"/>
+          </p:nvPr>
+        </p:nvSpPr>
+        <p:spPr>
+          <a:xfrm>
+            <a:off x="685800" y="1143000"/>
+            <a:ext cx="5486400" cy="3086100"/>
+          </a:xfrm>
+          <a:prstGeom prst="rect">
+            <a:avLst/>
+          </a:prstGeom>
+          <a:noFill/>
+          <a:ln w="12700">
+            <a:solidFill>
+              <a:prstClr val="black"/>
+            </a:solidFill>
+          </a:ln>
+        </p:spPr>
+        <p:txBody>
+          <a:bodyPr vert="horz" lIns="91440" tIns="45720" rIns="91440" bIns="45720" rtlCol="0" anchor="ctr"/>
+          <a:lstStyle/>
+          <a:p>
+            <a:endParaRPr lang="en-US"/>
+          </a:p>
+        </p:txBody>
+      </p:sp>
+      <p:sp>
+        <p:nvSpPr>
+          <p:cNvPr id="5" name="Notes Placeholder 4"/>
+          <p:cNvSpPr>
+            <a:spLocks noGrp="1"/>
+          </p:cNvSpPr>
+          <p:nvPr>
+            <p:ph type="body" sz="quarter" idx="3"/>
+          </p:nvPr>
+        </p:nvSpPr>
+        <p:spPr>
+          <a:xfrm>
+            <a:off x="685800" y="4400550"/>
+            <a:ext cx="5486400" cy="3600450"/>
+          </a:xfrm>
+          <a:prstGeom prst="rect">
+            <a:avLst/>
+          </a:prstGeom>
+        </p:spPr>
+        <p:txBody>
+          <a:bodyPr vert="horz" lIns="91440" tIns="45720" rIns="91440" bIns="45720" rtlCol="0"/>
+          <a:lstStyle/>
+          <a:p>
+            <a:pPr lvl="0"/>
+            <a:r>
+              <a:rPr lang="en-US" smtClean="0"/>
+              <a:t>Edit Master text styles</a:t>
+            </a:r>
+          </a:p>
+          <a:p>
+            <a:pPr lvl="1"/>
+            <a:r>
+              <a:rPr lang="en-US" smtClean="0"/>
+              <a:t>Second level</a:t>
+            </a:r>
+          </a:p>
+          <a:p>
+            <a:pPr lvl="2"/>
+            <a:r>
+              <a:rPr lang="en-US" smtClean="0"/>
+              <a:t>Third level</a:t>
+            </a:r>
+          </a:p>
+          <a:p>
+            <a:pPr lvl="3"/>
+            <a:r>
+              <a:rPr lang="en-US" smtClean="0"/>
+              <a:t>Fourth level</a:t>
+            </a:r>
+          </a:p>
+          <a:p>
+            <a:pPr lvl="4"/>
+            <a:r>
+              <a:rPr lang="en-US" smtClean="0"/>
+              <a:t>Fifth level</a:t>
+            </a:r>
+            <a:endParaRPr lang="en-US"/>
+          </a:p>
+        </p:txBody>
+      </p:sp>
+      <p:sp>
+        <p:nvSpPr>
+          <p:cNvPr id="6" name="Footer Placeholder 5"/>
+          <p:cNvSpPr>
+            <a:spLocks noGrp="1"/>
+          </p:cNvSpPr>
+          <p:nvPr>
+            <p:ph type="ftr" sz="quarter" idx="4"/>
+          </p:nvPr>
+        </p:nvSpPr>
+        <p:spPr>
+          <a:xfrm>
+            <a:off x="0" y="8685213"/>
+            <a:ext cx="2971800" cy="458787"/>
+          </a:xfrm>
+          <a:prstGeom prst="rect">
+            <a:avLst/>
+          </a:prstGeom>
+        </p:spPr>
+        <p:txBody>
+          <a:bodyPr vert="horz" lIns="91440" tIns="45720" rIns="91440" bIns="45720" rtlCol="0" anchor="b"/>
+          <a:lstStyle>
+            <a:lvl1pPr algn="l">
+              <a:defRPr sz="1200"/>
+            </a:lvl1pPr>
+          </a:lstStyle>
+          <a:p>
+            <a:endParaRPr lang="en-US"/>
+          </a:p>
+        </p:txBody>
+      </p:sp>
+      <p:sp>
+        <p:nvSpPr>
+          <p:cNvPr id="7" name="Slide Number Placeholder 6"/>
+          <p:cNvSpPr>
+            <a:spLocks noGrp="1"/>
+          </p:cNvSpPr>
+          <p:nvPr>
+            <p:ph type="sldNum" sz="quarter" idx="5"/>
+          </p:nvPr>
+        </p:nvSpPr>
+        <p:spPr>
+          <a:xfrm>
+            <a:off x="3884613" y="8685213"/>
+            <a:ext cx="2971800" cy="458787"/>
+          </a:xfrm>
+          <a:prstGeom prst="rect">
+            <a:avLst/>
+          </a:prstGeom>
+        </p:spPr>
+        <p:txBody>
+          <a:bodyPr vert="horz" lIns="91440" tIns="45720" rIns="91440" bIns="45720" rtlCol="0" anchor="b"/>
+          <a:lstStyle>
+            <a:lvl1pPr algn="r">
+              <a:defRPr sz="1200"/>
+            </a:lvl1pPr>
+          </a:lstStyle>
+          <a:p>
+            <a:fld id="{61ECD240-A491-41FD-8D77-9B2B5FE50243}" type="slidenum">
+              <a:rPr lang="en-US" smtClean="0"/>
+              <a:t>‹#›</a:t>
+            </a:fld>
+            <a:endParaRPr lang="en-US"/>
+          </a:p>
+        </p:txBody>
+      </p:sp>
+    </p:spTree>
+    <p:extLst>
+      <p:ext uri="{BB962C8B-B14F-4D97-AF65-F5344CB8AC3E}">
+        <p14:creationId xmlns:p14="http://schemas.microsoft.com/office/powerpoint/2010/main" val="3415170299"/>
+      </p:ext>
+    </p:extLst>
+  </p:cSld>
+  <p:clrMap bg1="lt1" tx1="dk1" bg2="lt2" tx2="dk2" accent1="accent1" accent2="accent2" accent3="accent3" accent4="accent4" accent5="accent5" accent6="accent6" hlink="hlink" folHlink="folHlink"/>
+  <p:notesStyle>
+    <a:lvl1pPr marL="0" algn="l" defTabSz="914400" rtl="0" eaLnBrk="1" latinLnBrk="0" hangingPunct="1">
+      <a:defRPr sz="1200" kern="1200">
+        <a:solidFill>
+          <a:schemeClr val="tx1"/>
+        </a:solidFill>
+        <a:latin typeface="+mn-lt"/>
+        <a:ea typeface="+mn-ea"/>
+        <a:cs typeface="+mn-cs"/>
+      </a:defRPr>
+    </a:lvl1pPr>
+    <a:lvl2pPr marL="457200" algn="l" defTabSz="914400" rtl="0" eaLnBrk="1" latinLnBrk="0" hangingPunct="1">
+      <a:defRPr sz="1200" kern="1200">
+        <a:solidFill>
+          <a:schemeClr val="tx1"/>
+        </a:solidFill>
+        <a:latin typeface="+mn-lt"/>
+        <a:ea typeface="+mn-ea"/>
+        <a:cs typeface="+mn-cs"/>
+      </a:defRPr>
+    </a:lvl2pPr>
+    <a:lvl3pPr marL="914400" algn="l" defTabSz="914400" rtl="0" eaLnBrk="1" latinLnBrk="0" hangingPunct="1">
+      <a:defRPr sz="1200" kern="1200">
+        <a:solidFill>
+          <a:schemeClr val="tx1"/>
+        </a:solidFill>
+        <a:latin typeface="+mn-lt"/>
+        <a:ea typeface="+mn-ea"/>
+        <a:cs typeface="+mn-cs"/>
+      </a:defRPr>
+    </a:lvl3pPr>
+    <a:lvl4pPr marL="1371600" algn="l" defTabSz="914400" rtl="0" eaLnBrk="1" latinLnBrk="0" hangingPunct="1">
+      <a:defRPr sz="1200" kern="1200">
+        <a:solidFill>
+          <a:schemeClr val="tx1"/>
+        </a:solidFill>
+        <a:latin typeface="+mn-lt"/>
+        <a:ea typeface="+mn-ea"/>
+        <a:cs typeface="+mn-cs"/>
+      </a:defRPr>
+    </a:lvl4pPr>
+    <a:lvl5pPr marL="1828800" algn="l" defTabSz="914400" rtl="0" eaLnBrk="1" latinLnBrk="0" hangingPunct="1">
+      <a:defRPr sz="1200" kern="1200">
+        <a:solidFill>
+          <a:schemeClr val="tx1"/>
+        </a:solidFill>
+        <a:latin typeface="+mn-lt"/>
+        <a:ea typeface="+mn-ea"/>
+        <a:cs typeface="+mn-cs"/>
+      </a:defRPr>
+    </a:lvl5pPr>
+    <a:lvl6pPr marL="2286000" algn="l" defTabSz="914400" rtl="0" eaLnBrk="1" latinLnBrk="0" hangingPunct="1">
+      <a:defRPr sz="1200" kern="1200">
+        <a:solidFill>
+          <a:schemeClr val="tx1"/>
+        </a:solidFill>
+        <a:latin typeface="+mn-lt"/>
+        <a:ea typeface="+mn-ea"/>
+        <a:cs typeface="+mn-cs"/>
+      </a:defRPr>
+    </a:lvl6pPr>
+    <a:lvl7pPr marL="2743200" algn="l" defTabSz="914400" rtl="0" eaLnBrk="1" latinLnBrk="0" hangingPunct="1">
+      <a:defRPr sz="1200" kern="1200">
+        <a:solidFill>
+          <a:schemeClr val="tx1"/>
+        </a:solidFill>
+        <a:latin typeface="+mn-lt"/>
+        <a:ea typeface="+mn-ea"/>
+        <a:cs typeface="+mn-cs"/>
+      </a:defRPr>
+    </a:lvl7pPr>
+    <a:lvl8pPr marL="3200400" algn="l" defTabSz="914400" rtl="0" eaLnBrk="1" latinLnBrk="0" hangingPunct="1">
+      <a:defRPr sz="1200" kern="1200">
+        <a:solidFill>
+          <a:schemeClr val="tx1"/>
+        </a:solidFill>
+        <a:latin typeface="+mn-lt"/>
+        <a:ea typeface="+mn-ea"/>
+        <a:cs typeface="+mn-cs"/>
+      </a:defRPr>
+    </a:lvl8pPr>
+    <a:lvl9pPr marL="3657600" algn="l" defTabSz="914400" rtl="0" eaLnBrk="1" latinLnBrk="0" hangingPunct="1">
+      <a:defRPr sz="1200" kern="1200">
+        <a:solidFill>
+          <a:schemeClr val="tx1"/>
+        </a:solidFill>
+        <a:latin typeface="+mn-lt"/>
+        <a:ea typeface="+mn-ea"/>
+        <a:cs typeface="+mn-cs"/>
+      </a:defRPr>
+    </a:lvl9pPr>
+  </p:notesStyle>
+</p:notesMaster>
+</file>
+
 <file path=ppt/slideLayouts/slideLayout1.xml><?xml version="1.0" encoding="utf-8"?>
 <p:sldLayout xmlns:a="http://schemas.openxmlformats.org/drawingml/2006/main" xmlns:r="http://schemas.openxmlformats.org/officeDocument/2006/relationships" xmlns:p="http://schemas.openxmlformats.org/presentationml/2006/main" type="title" preserve="1">
   <p:cSld name="Title Slide">
@@ -245,7 +599,7 @@
           <a:p>
             <a:fld id="{880A7BB6-BC1A-49BD-B54A-13C4957CA795}" type="datetimeFigureOut">
               <a:rPr lang="en-US" smtClean="0"/>
-              <a:t>6/6/2017</a:t>
+              <a:t>6/7/2017</a:t>
             </a:fld>
             <a:endParaRPr lang="en-US"/>
           </a:p>
@@ -415,7 +769,7 @@
           <a:p>
             <a:fld id="{880A7BB6-BC1A-49BD-B54A-13C4957CA795}" type="datetimeFigureOut">
               <a:rPr lang="en-US" smtClean="0"/>
-              <a:t>6/6/2017</a:t>
+              <a:t>6/7/2017</a:t>
             </a:fld>
             <a:endParaRPr lang="en-US"/>
           </a:p>
@@ -595,7 +949,7 @@
           <a:p>
             <a:fld id="{880A7BB6-BC1A-49BD-B54A-13C4957CA795}" type="datetimeFigureOut">
               <a:rPr lang="en-US" smtClean="0"/>
-              <a:t>6/6/2017</a:t>
+              <a:t>6/7/2017</a:t>
             </a:fld>
             <a:endParaRPr lang="en-US"/>
           </a:p>
@@ -765,7 +1119,7 @@
           <a:p>
             <a:fld id="{880A7BB6-BC1A-49BD-B54A-13C4957CA795}" type="datetimeFigureOut">
               <a:rPr lang="en-US" smtClean="0"/>
-              <a:t>6/6/2017</a:t>
+              <a:t>6/7/2017</a:t>
             </a:fld>
             <a:endParaRPr lang="en-US"/>
           </a:p>
@@ -1011,7 +1365,7 @@
           <a:p>
             <a:fld id="{880A7BB6-BC1A-49BD-B54A-13C4957CA795}" type="datetimeFigureOut">
               <a:rPr lang="en-US" smtClean="0"/>
-              <a:t>6/6/2017</a:t>
+              <a:t>6/7/2017</a:t>
             </a:fld>
             <a:endParaRPr lang="en-US"/>
           </a:p>
@@ -1243,7 +1597,7 @@
           <a:p>
             <a:fld id="{880A7BB6-BC1A-49BD-B54A-13C4957CA795}" type="datetimeFigureOut">
               <a:rPr lang="en-US" smtClean="0"/>
-              <a:t>6/6/2017</a:t>
+              <a:t>6/7/2017</a:t>
             </a:fld>
             <a:endParaRPr lang="en-US"/>
           </a:p>
@@ -1610,7 +1964,7 @@
           <a:p>
             <a:fld id="{880A7BB6-BC1A-49BD-B54A-13C4957CA795}" type="datetimeFigureOut">
               <a:rPr lang="en-US" smtClean="0"/>
-              <a:t>6/6/2017</a:t>
+              <a:t>6/7/2017</a:t>
             </a:fld>
             <a:endParaRPr lang="en-US"/>
           </a:p>
@@ -1728,7 +2082,7 @@
           <a:p>
             <a:fld id="{880A7BB6-BC1A-49BD-B54A-13C4957CA795}" type="datetimeFigureOut">
               <a:rPr lang="en-US" smtClean="0"/>
-              <a:t>6/6/2017</a:t>
+              <a:t>6/7/2017</a:t>
             </a:fld>
             <a:endParaRPr lang="en-US"/>
           </a:p>
@@ -1823,7 +2177,7 @@
           <a:p>
             <a:fld id="{880A7BB6-BC1A-49BD-B54A-13C4957CA795}" type="datetimeFigureOut">
               <a:rPr lang="en-US" smtClean="0"/>
-              <a:t>6/6/2017</a:t>
+              <a:t>6/7/2017</a:t>
             </a:fld>
             <a:endParaRPr lang="en-US"/>
           </a:p>
@@ -2100,7 +2454,7 @@
           <a:p>
             <a:fld id="{880A7BB6-BC1A-49BD-B54A-13C4957CA795}" type="datetimeFigureOut">
               <a:rPr lang="en-US" smtClean="0"/>
-              <a:t>6/6/2017</a:t>
+              <a:t>6/7/2017</a:t>
             </a:fld>
             <a:endParaRPr lang="en-US"/>
           </a:p>
@@ -2353,7 +2707,7 @@
           <a:p>
             <a:fld id="{880A7BB6-BC1A-49BD-B54A-13C4957CA795}" type="datetimeFigureOut">
               <a:rPr lang="en-US" smtClean="0"/>
-              <a:t>6/6/2017</a:t>
+              <a:t>6/7/2017</a:t>
             </a:fld>
             <a:endParaRPr lang="en-US"/>
           </a:p>
@@ -2566,7 +2920,7 @@
           <a:p>
             <a:fld id="{880A7BB6-BC1A-49BD-B54A-13C4957CA795}" type="datetimeFigureOut">
               <a:rPr lang="en-US" smtClean="0"/>
-              <a:t>6/6/2017</a:t>
+              <a:t>6/7/2017</a:t>
             </a:fld>
             <a:endParaRPr lang="en-US"/>
           </a:p>
@@ -2973,347 +3327,6 @@
       </p:grpSpPr>
       <p:sp>
         <p:nvSpPr>
-          <p:cNvPr id="2" name="Title 1"/>
-          <p:cNvSpPr>
-            <a:spLocks noGrp="1"/>
-          </p:cNvSpPr>
-          <p:nvPr>
-            <p:ph type="ctrTitle"/>
-          </p:nvPr>
-        </p:nvSpPr>
-        <p:spPr>
-          <a:xfrm>
-            <a:off x="1524000" y="0"/>
-            <a:ext cx="9144000" cy="1798638"/>
-          </a:xfrm>
-        </p:spPr>
-        <p:txBody>
-          <a:bodyPr>
-            <a:normAutofit fontScale="90000"/>
-          </a:bodyPr>
-          <a:lstStyle/>
-          <a:p>
-            <a:r>
-              <a:rPr lang="en-US" sz="6600" b="1" dirty="0" smtClean="0">
-                <a:latin typeface="Times New Roman" panose="02020603050405020304" pitchFamily="18" charset="0"/>
-                <a:cs typeface="Times New Roman" panose="02020603050405020304" pitchFamily="18" charset="0"/>
-              </a:rPr>
-              <a:t>Electronic Propellant Feed System </a:t>
-            </a:r>
-            <a:endParaRPr lang="en-US" sz="6600" b="1" dirty="0">
-              <a:latin typeface="Times New Roman" panose="02020603050405020304" pitchFamily="18" charset="0"/>
-              <a:cs typeface="Times New Roman" panose="02020603050405020304" pitchFamily="18" charset="0"/>
-            </a:endParaRPr>
-          </a:p>
-        </p:txBody>
-      </p:sp>
-      <p:sp>
-        <p:nvSpPr>
-          <p:cNvPr id="3" name="Subtitle 2"/>
-          <p:cNvSpPr>
-            <a:spLocks noGrp="1"/>
-          </p:cNvSpPr>
-          <p:nvPr>
-            <p:ph type="subTitle" idx="1"/>
-          </p:nvPr>
-        </p:nvSpPr>
-        <p:spPr>
-          <a:xfrm>
-            <a:off x="146104" y="6062265"/>
-            <a:ext cx="11899788" cy="953294"/>
-          </a:xfrm>
-        </p:spPr>
-        <p:txBody>
-          <a:bodyPr>
-            <a:normAutofit/>
-          </a:bodyPr>
-          <a:lstStyle/>
-          <a:p>
-            <a:r>
-              <a:rPr lang="en-US" altLang="en-US" sz="1600" i="1" dirty="0">
-                <a:latin typeface="Times New Roman" panose="02020603050405020304" pitchFamily="18" charset="0"/>
-                <a:cs typeface="Times New Roman" panose="02020603050405020304" pitchFamily="18" charset="0"/>
-              </a:rPr>
-              <a:t>Affiliations: </a:t>
-            </a:r>
-            <a:r>
-              <a:rPr lang="en-US" altLang="en-US" sz="1600" i="1" baseline="30000" dirty="0" smtClean="0">
-                <a:latin typeface="Times New Roman" panose="02020603050405020304" pitchFamily="18" charset="0"/>
-                <a:cs typeface="Times New Roman" panose="02020603050405020304" pitchFamily="18" charset="0"/>
-              </a:rPr>
-              <a:t>1</a:t>
-            </a:r>
-            <a:r>
-              <a:rPr lang="en-US" altLang="en-US" sz="1600" i="1" dirty="0" smtClean="0">
-                <a:latin typeface="Times New Roman" panose="02020603050405020304" pitchFamily="18" charset="0"/>
-                <a:cs typeface="Times New Roman" panose="02020603050405020304" pitchFamily="18" charset="0"/>
-              </a:rPr>
-              <a:t>Portland State Aerospace Society, </a:t>
-            </a:r>
-            <a:r>
-              <a:rPr lang="en-US" altLang="en-US" sz="1600" i="1" baseline="30000" dirty="0">
-                <a:latin typeface="Times New Roman" panose="02020603050405020304" pitchFamily="18" charset="0"/>
-                <a:cs typeface="Times New Roman" panose="02020603050405020304" pitchFamily="18" charset="0"/>
-              </a:rPr>
-              <a:t>2</a:t>
-            </a:r>
-            <a:r>
-              <a:rPr lang="en-US" altLang="en-US" sz="1600" i="1" dirty="0">
-                <a:latin typeface="Times New Roman" panose="02020603050405020304" pitchFamily="18" charset="0"/>
-                <a:cs typeface="Times New Roman" panose="02020603050405020304" pitchFamily="18" charset="0"/>
-              </a:rPr>
-              <a:t>Maseeh College of Engineering and Computer Science Portland, OR, 97201, United States</a:t>
-            </a:r>
-            <a:endParaRPr lang="en-US" sz="1600" i="1" dirty="0">
-              <a:latin typeface="Times New Roman" panose="02020603050405020304" pitchFamily="18" charset="0"/>
-              <a:cs typeface="Times New Roman" panose="02020603050405020304" pitchFamily="18" charset="0"/>
-            </a:endParaRPr>
-          </a:p>
-        </p:txBody>
-      </p:sp>
-      <p:sp>
-        <p:nvSpPr>
-          <p:cNvPr id="4" name="Slide Number Placeholder 3"/>
-          <p:cNvSpPr>
-            <a:spLocks noGrp="1"/>
-          </p:cNvSpPr>
-          <p:nvPr>
-            <p:ph type="sldNum" sz="quarter" idx="12"/>
-          </p:nvPr>
-        </p:nvSpPr>
-        <p:spPr/>
-        <p:txBody>
-          <a:bodyPr/>
-          <a:lstStyle/>
-          <a:p>
-            <a:fld id="{27225834-A5F4-4780-A9FC-586FB30F9BB0}" type="slidenum">
-              <a:rPr lang="en-US" smtClean="0">
-                <a:latin typeface="Times New Roman" panose="02020603050405020304" pitchFamily="18" charset="0"/>
-                <a:cs typeface="Times New Roman" panose="02020603050405020304" pitchFamily="18" charset="0"/>
-              </a:rPr>
-              <a:t>1</a:t>
-            </a:fld>
-            <a:endParaRPr lang="en-US">
-              <a:latin typeface="Times New Roman" panose="02020603050405020304" pitchFamily="18" charset="0"/>
-              <a:cs typeface="Times New Roman" panose="02020603050405020304" pitchFamily="18" charset="0"/>
-            </a:endParaRPr>
-          </a:p>
-        </p:txBody>
-      </p:sp>
-      <p:sp>
-        <p:nvSpPr>
-          <p:cNvPr id="5" name="TextBox 4"/>
-          <p:cNvSpPr txBox="1"/>
-          <p:nvPr/>
-        </p:nvSpPr>
-        <p:spPr>
-          <a:xfrm>
-            <a:off x="1300047" y="1836254"/>
-            <a:ext cx="9591901" cy="707886"/>
-          </a:xfrm>
-          <a:prstGeom prst="rect">
-            <a:avLst/>
-          </a:prstGeom>
-          <a:noFill/>
-        </p:spPr>
-        <p:txBody>
-          <a:bodyPr wrap="square" rtlCol="0">
-            <a:spAutoFit/>
-          </a:bodyPr>
-          <a:lstStyle/>
-          <a:p>
-            <a:pPr algn="ctr"/>
-            <a:r>
-              <a:rPr lang="en-US" sz="2000" dirty="0" smtClean="0">
-                <a:latin typeface="Times New Roman" panose="02020603050405020304" pitchFamily="18" charset="0"/>
-                <a:cs typeface="Times New Roman" panose="02020603050405020304" pitchFamily="18" charset="0"/>
-              </a:rPr>
-              <a:t>Johnny Froehlich, Jonathan Talik, James Luce, Rawand Rasheed, Mimi Shang, Jordan Roland</a:t>
-            </a:r>
-            <a:endParaRPr lang="en-US" sz="2000" dirty="0">
-              <a:latin typeface="Times New Roman" panose="02020603050405020304" pitchFamily="18" charset="0"/>
-              <a:cs typeface="Times New Roman" panose="02020603050405020304" pitchFamily="18" charset="0"/>
-            </a:endParaRPr>
-          </a:p>
-        </p:txBody>
-      </p:sp>
-      <p:pic>
-        <p:nvPicPr>
-          <p:cNvPr id="8" name="Picture 7"/>
-          <p:cNvPicPr>
-            <a:picLocks noChangeAspect="1"/>
-          </p:cNvPicPr>
-          <p:nvPr/>
-        </p:nvPicPr>
-        <p:blipFill>
-          <a:blip r:embed="rId2"/>
-          <a:stretch>
-            <a:fillRect/>
-          </a:stretch>
-        </p:blipFill>
-        <p:spPr>
-          <a:xfrm>
-            <a:off x="609600" y="2581756"/>
-            <a:ext cx="3484384" cy="3163353"/>
-          </a:xfrm>
-          <a:prstGeom prst="rect">
-            <a:avLst/>
-          </a:prstGeom>
-        </p:spPr>
-      </p:pic>
-      <p:pic>
-        <p:nvPicPr>
-          <p:cNvPr id="9" name="Picture 8"/>
-          <p:cNvPicPr>
-            <a:picLocks noChangeAspect="1"/>
-          </p:cNvPicPr>
-          <p:nvPr/>
-        </p:nvPicPr>
-        <p:blipFill>
-          <a:blip r:embed="rId3"/>
-          <a:stretch>
-            <a:fillRect/>
-          </a:stretch>
-        </p:blipFill>
-        <p:spPr>
-          <a:xfrm>
-            <a:off x="4459284" y="2562948"/>
-            <a:ext cx="3273425" cy="3163353"/>
-          </a:xfrm>
-          <a:prstGeom prst="rect">
-            <a:avLst/>
-          </a:prstGeom>
-        </p:spPr>
-      </p:pic>
-      <p:pic>
-        <p:nvPicPr>
-          <p:cNvPr id="1028" name="Picture 4" descr="http://www.freelogovectors.net/wp-content/uploads/2014/06/PSU-seal-Portland-State-University.jpg"/>
-          <p:cNvPicPr>
-            <a:picLocks noChangeAspect="1" noChangeArrowheads="1"/>
-          </p:cNvPicPr>
-          <p:nvPr/>
-        </p:nvPicPr>
-        <p:blipFill>
-          <a:blip r:embed="rId4">
-            <a:extLst>
-              <a:ext uri="{28A0092B-C50C-407E-A947-70E740481C1C}">
-                <a14:useLocalDpi xmlns:a14="http://schemas.microsoft.com/office/drawing/2010/main" val="0"/>
-              </a:ext>
-            </a:extLst>
-          </a:blip>
-          <a:srcRect/>
-          <a:stretch>
-            <a:fillRect/>
-          </a:stretch>
-        </p:blipFill>
-        <p:spPr bwMode="auto">
-          <a:xfrm>
-            <a:off x="8098013" y="2510733"/>
-            <a:ext cx="3209494" cy="3234376"/>
-          </a:xfrm>
-          <a:prstGeom prst="rect">
-            <a:avLst/>
-          </a:prstGeom>
-          <a:noFill/>
-          <a:extLst>
-            <a:ext uri="{909E8E84-426E-40DD-AFC4-6F175D3DCCD1}">
-              <a14:hiddenFill xmlns:a14="http://schemas.microsoft.com/office/drawing/2010/main">
-                <a:solidFill>
-                  <a:srgbClr val="FFFFFF"/>
-                </a:solidFill>
-              </a14:hiddenFill>
-            </a:ext>
-          </a:extLst>
-        </p:spPr>
-      </p:pic>
-      <p:sp>
-        <p:nvSpPr>
-          <p:cNvPr id="10" name="Rectangle 9"/>
-          <p:cNvSpPr/>
-          <p:nvPr/>
-        </p:nvSpPr>
-        <p:spPr>
-          <a:xfrm>
-            <a:off x="10668000" y="5397500"/>
-            <a:ext cx="317500" cy="203200"/>
-          </a:xfrm>
-          <a:prstGeom prst="rect">
-            <a:avLst/>
-          </a:prstGeom>
-          <a:solidFill>
-            <a:schemeClr val="bg1"/>
-          </a:solidFill>
-          <a:ln>
-            <a:noFill/>
-          </a:ln>
-        </p:spPr>
-        <p:style>
-          <a:lnRef idx="2">
-            <a:schemeClr val="accent1">
-              <a:shade val="50000"/>
-            </a:schemeClr>
-          </a:lnRef>
-          <a:fillRef idx="1">
-            <a:schemeClr val="accent1"/>
-          </a:fillRef>
-          <a:effectRef idx="0">
-            <a:schemeClr val="accent1"/>
-          </a:effectRef>
-          <a:fontRef idx="minor">
-            <a:schemeClr val="lt1"/>
-          </a:fontRef>
-        </p:style>
-        <p:txBody>
-          <a:bodyPr rtlCol="0" anchor="ctr"/>
-          <a:lstStyle/>
-          <a:p>
-            <a:pPr algn="ctr"/>
-            <a:endParaRPr lang="en-US">
-              <a:latin typeface="Times New Roman" panose="02020603050405020304" pitchFamily="18" charset="0"/>
-              <a:cs typeface="Times New Roman" panose="02020603050405020304" pitchFamily="18" charset="0"/>
-            </a:endParaRPr>
-          </a:p>
-        </p:txBody>
-      </p:sp>
-    </p:spTree>
-    <p:extLst>
-      <p:ext uri="{BB962C8B-B14F-4D97-AF65-F5344CB8AC3E}">
-        <p14:creationId xmlns:p14="http://schemas.microsoft.com/office/powerpoint/2010/main" val="2547551046"/>
-      </p:ext>
-    </p:extLst>
-  </p:cSld>
-  <p:clrMapOvr>
-    <a:masterClrMapping/>
-  </p:clrMapOvr>
-  <p:timing>
-    <p:tnLst>
-      <p:par>
-        <p:cTn id="1" dur="indefinite" restart="never" nodeType="tmRoot"/>
-      </p:par>
-    </p:tnLst>
-  </p:timing>
-</p:sld>
-</file>
-
-<file path=ppt/slides/slide2.xml><?xml version="1.0" encoding="utf-8"?>
-<p:sld xmlns:a="http://schemas.openxmlformats.org/drawingml/2006/main" xmlns:r="http://schemas.openxmlformats.org/officeDocument/2006/relationships" xmlns:p="http://schemas.openxmlformats.org/presentationml/2006/main">
-  <p:cSld>
-    <p:spTree>
-      <p:nvGrpSpPr>
-        <p:cNvPr id="1" name=""/>
-        <p:cNvGrpSpPr/>
-        <p:nvPr/>
-      </p:nvGrpSpPr>
-      <p:grpSpPr>
-        <a:xfrm>
-          <a:off x="0" y="0"/>
-          <a:ext cx="0" cy="0"/>
-          <a:chOff x="0" y="0"/>
-          <a:chExt cx="0" cy="0"/>
-        </a:xfrm>
-      </p:grpSpPr>
-      <p:sp>
-        <p:nvSpPr>
           <p:cNvPr id="4" name="TextBox 3"/>
           <p:cNvSpPr txBox="1"/>
           <p:nvPr/>
@@ -3451,7 +3464,7 @@
 </p:sld>
 </file>
 
-<file path=ppt/slides/slide3.xml><?xml version="1.0" encoding="utf-8"?>
+<file path=ppt/slides/slide2.xml><?xml version="1.0" encoding="utf-8"?>
 <p:sld xmlns:a="http://schemas.openxmlformats.org/drawingml/2006/main" xmlns:r="http://schemas.openxmlformats.org/officeDocument/2006/relationships" xmlns:p="http://schemas.openxmlformats.org/presentationml/2006/main">
   <p:cSld>
     <p:spTree>
@@ -3489,18 +3502,480 @@
         </p:blipFill>
         <p:spPr>
           <a:xfrm>
-            <a:off x="3767328" y="1721392"/>
-            <a:ext cx="5486400" cy="4350224"/>
+            <a:off x="6918960" y="1922560"/>
+            <a:ext cx="4609953" cy="3655280"/>
           </a:xfrm>
           <a:prstGeom prst="rect">
             <a:avLst/>
           </a:prstGeom>
         </p:spPr>
       </p:pic>
+      <p:sp>
+        <p:nvSpPr>
+          <p:cNvPr id="3" name="TextBox 2"/>
+          <p:cNvSpPr txBox="1"/>
+          <p:nvPr/>
+        </p:nvSpPr>
+        <p:spPr>
+          <a:xfrm>
+            <a:off x="2590038" y="0"/>
+            <a:ext cx="7011924" cy="584775"/>
+          </a:xfrm>
+          <a:prstGeom prst="rect">
+            <a:avLst/>
+          </a:prstGeom>
+          <a:noFill/>
+        </p:spPr>
+        <p:txBody>
+          <a:bodyPr wrap="square" rtlCol="0">
+            <a:spAutoFit/>
+          </a:bodyPr>
+          <a:lstStyle/>
+          <a:p>
+            <a:r>
+              <a:rPr lang="en-US" sz="3200" dirty="0" smtClean="0"/>
+              <a:t>Unfinished Business: Controls and Safety</a:t>
+            </a:r>
+            <a:endParaRPr lang="en-US" sz="3200" dirty="0"/>
+          </a:p>
+        </p:txBody>
+      </p:sp>
+      <p:sp>
+        <p:nvSpPr>
+          <p:cNvPr id="6" name="TextBox 5"/>
+          <p:cNvSpPr txBox="1"/>
+          <p:nvPr/>
+        </p:nvSpPr>
+        <p:spPr>
+          <a:xfrm>
+            <a:off x="1051560" y="1499616"/>
+            <a:ext cx="4800600" cy="2031325"/>
+          </a:xfrm>
+          <a:prstGeom prst="rect">
+            <a:avLst/>
+          </a:prstGeom>
+          <a:noFill/>
+        </p:spPr>
+        <p:txBody>
+          <a:bodyPr wrap="square" rtlCol="0">
+            <a:spAutoFit/>
+          </a:bodyPr>
+          <a:lstStyle/>
+          <a:p>
+            <a:r>
+              <a:rPr lang="en-US" dirty="0" smtClean="0"/>
+              <a:t>More robust (read safe) controls system</a:t>
+            </a:r>
+          </a:p>
+          <a:p>
+            <a:pPr marL="742950" lvl="1" indent="-285750">
+              <a:buFont typeface="Arial" panose="020B0604020202020204" pitchFamily="34" charset="0"/>
+              <a:buChar char="•"/>
+            </a:pPr>
+            <a:r>
+              <a:rPr lang="en-US" dirty="0" smtClean="0"/>
+              <a:t>Clean up wiring</a:t>
+            </a:r>
+          </a:p>
+          <a:p>
+            <a:pPr marL="742950" lvl="1" indent="-285750">
+              <a:buFont typeface="Arial" panose="020B0604020202020204" pitchFamily="34" charset="0"/>
+              <a:buChar char="•"/>
+            </a:pPr>
+            <a:r>
+              <a:rPr lang="en-US" dirty="0" smtClean="0"/>
+              <a:t>Either a dedicated transmitter set up or hard wired throttle control</a:t>
+            </a:r>
+          </a:p>
+          <a:p>
+            <a:pPr marL="742950" lvl="1" indent="-285750">
+              <a:buFont typeface="Arial" panose="020B0604020202020204" pitchFamily="34" charset="0"/>
+              <a:buChar char="•"/>
+            </a:pPr>
+            <a:r>
+              <a:rPr lang="en-US" dirty="0" smtClean="0"/>
+              <a:t>Replace all gauges with data</a:t>
+            </a:r>
+          </a:p>
+          <a:p>
+            <a:pPr marL="742950" lvl="1" indent="-285750">
+              <a:buFont typeface="Arial" panose="020B0604020202020204" pitchFamily="34" charset="0"/>
+              <a:buChar char="•"/>
+            </a:pPr>
+            <a:endParaRPr lang="en-US" dirty="0" smtClean="0"/>
+          </a:p>
+          <a:p>
+            <a:pPr marL="285750" indent="-285750">
+              <a:buFont typeface="Arial" panose="020B0604020202020204" pitchFamily="34" charset="0"/>
+              <a:buChar char="•"/>
+            </a:pPr>
+            <a:endParaRPr lang="en-US" dirty="0"/>
+          </a:p>
+        </p:txBody>
+      </p:sp>
     </p:spTree>
     <p:extLst>
       <p:ext uri="{BB962C8B-B14F-4D97-AF65-F5344CB8AC3E}">
         <p14:creationId xmlns:p14="http://schemas.microsoft.com/office/powerpoint/2010/main" val="2969407302"/>
+      </p:ext>
+    </p:extLst>
+  </p:cSld>
+  <p:clrMapOvr>
+    <a:masterClrMapping/>
+  </p:clrMapOvr>
+</p:sld>
+</file>
+
+<file path=ppt/slides/slide3.xml><?xml version="1.0" encoding="utf-8"?>
+<p:sld xmlns:a="http://schemas.openxmlformats.org/drawingml/2006/main" xmlns:r="http://schemas.openxmlformats.org/officeDocument/2006/relationships" xmlns:p="http://schemas.openxmlformats.org/presentationml/2006/main">
+  <p:cSld>
+    <p:spTree>
+      <p:nvGrpSpPr>
+        <p:cNvPr id="1" name=""/>
+        <p:cNvGrpSpPr/>
+        <p:nvPr/>
+      </p:nvGrpSpPr>
+      <p:grpSpPr>
+        <a:xfrm>
+          <a:off x="0" y="0"/>
+          <a:ext cx="0" cy="0"/>
+          <a:chOff x="0" y="0"/>
+          <a:chExt cx="0" cy="0"/>
+        </a:xfrm>
+      </p:grpSpPr>
+      <p:sp>
+        <p:nvSpPr>
+          <p:cNvPr id="4" name="Rectangle 3"/>
+          <p:cNvSpPr/>
+          <p:nvPr/>
+        </p:nvSpPr>
+        <p:spPr>
+          <a:xfrm>
+            <a:off x="3601212" y="0"/>
+            <a:ext cx="4989576" cy="584775"/>
+          </a:xfrm>
+          <a:prstGeom prst="rect">
+            <a:avLst/>
+          </a:prstGeom>
+        </p:spPr>
+        <p:txBody>
+          <a:bodyPr wrap="square">
+            <a:spAutoFit/>
+          </a:bodyPr>
+          <a:lstStyle/>
+          <a:p>
+            <a:pPr lvl="0"/>
+            <a:r>
+              <a:rPr lang="en-US" sz="3200" dirty="0">
+                <a:solidFill>
+                  <a:prstClr val="black"/>
+                </a:solidFill>
+              </a:rPr>
+              <a:t>Unfinished Business: </a:t>
+            </a:r>
+            <a:r>
+              <a:rPr lang="en-US" sz="3200" dirty="0" smtClean="0">
+                <a:solidFill>
+                  <a:prstClr val="black"/>
+                </a:solidFill>
+              </a:rPr>
+              <a:t>Lessons</a:t>
+            </a:r>
+            <a:endParaRPr lang="en-US" sz="3200" dirty="0">
+              <a:solidFill>
+                <a:prstClr val="black"/>
+              </a:solidFill>
+            </a:endParaRPr>
+          </a:p>
+        </p:txBody>
+      </p:sp>
+      <p:sp>
+        <p:nvSpPr>
+          <p:cNvPr id="5" name="TextBox 4"/>
+          <p:cNvSpPr txBox="1"/>
+          <p:nvPr/>
+        </p:nvSpPr>
+        <p:spPr>
+          <a:xfrm>
+            <a:off x="1426464" y="1755648"/>
+            <a:ext cx="3666744" cy="923330"/>
+          </a:xfrm>
+          <a:prstGeom prst="rect">
+            <a:avLst/>
+          </a:prstGeom>
+          <a:noFill/>
+        </p:spPr>
+        <p:txBody>
+          <a:bodyPr wrap="square" rtlCol="0">
+            <a:spAutoFit/>
+          </a:bodyPr>
+          <a:lstStyle/>
+          <a:p>
+            <a:pPr marL="285750" indent="-285750">
+              <a:buFont typeface="Arial" panose="020B0604020202020204" pitchFamily="34" charset="0"/>
+              <a:buChar char="•"/>
+            </a:pPr>
+            <a:r>
+              <a:rPr lang="en-US" dirty="0" smtClean="0"/>
+              <a:t>Pump is over-designed but for </a:t>
+            </a:r>
+            <a:r>
+              <a:rPr lang="en-US" smtClean="0"/>
+              <a:t>a reason</a:t>
+            </a:r>
+          </a:p>
+          <a:p>
+            <a:pPr marL="285750" indent="-285750">
+              <a:buFont typeface="Arial" panose="020B0604020202020204" pitchFamily="34" charset="0"/>
+              <a:buChar char="•"/>
+            </a:pPr>
+            <a:endParaRPr lang="en-US"/>
+          </a:p>
+        </p:txBody>
+      </p:sp>
+    </p:spTree>
+    <p:extLst>
+      <p:ext uri="{BB962C8B-B14F-4D97-AF65-F5344CB8AC3E}">
+        <p14:creationId xmlns:p14="http://schemas.microsoft.com/office/powerpoint/2010/main" val="956238050"/>
+      </p:ext>
+    </p:extLst>
+  </p:cSld>
+  <p:clrMapOvr>
+    <a:masterClrMapping/>
+  </p:clrMapOvr>
+</p:sld>
+</file>
+
+<file path=ppt/slides/slide4.xml><?xml version="1.0" encoding="utf-8"?>
+<p:sld xmlns:a="http://schemas.openxmlformats.org/drawingml/2006/main" xmlns:r="http://schemas.openxmlformats.org/officeDocument/2006/relationships" xmlns:p="http://schemas.openxmlformats.org/presentationml/2006/main">
+  <p:cSld>
+    <p:spTree>
+      <p:nvGrpSpPr>
+        <p:cNvPr id="1" name=""/>
+        <p:cNvGrpSpPr/>
+        <p:nvPr/>
+      </p:nvGrpSpPr>
+      <p:grpSpPr>
+        <a:xfrm>
+          <a:off x="0" y="0"/>
+          <a:ext cx="0" cy="0"/>
+          <a:chOff x="0" y="0"/>
+          <a:chExt cx="0" cy="0"/>
+        </a:xfrm>
+      </p:grpSpPr>
+      <p:sp>
+        <p:nvSpPr>
+          <p:cNvPr id="4" name="Rectangle 3"/>
+          <p:cNvSpPr/>
+          <p:nvPr/>
+        </p:nvSpPr>
+        <p:spPr>
+          <a:xfrm>
+            <a:off x="3112293" y="0"/>
+            <a:ext cx="3919444" cy="369332"/>
+          </a:xfrm>
+          <a:prstGeom prst="rect">
+            <a:avLst/>
+          </a:prstGeom>
+        </p:spPr>
+        <p:txBody>
+          <a:bodyPr wrap="square">
+            <a:spAutoFit/>
+          </a:bodyPr>
+          <a:lstStyle/>
+          <a:p>
+            <a:r>
+              <a:rPr lang="en-US" dirty="0" smtClean="0"/>
+              <a:t>Next steps:</a:t>
+            </a:r>
+            <a:endParaRPr lang="en-US" dirty="0"/>
+          </a:p>
+        </p:txBody>
+      </p:sp>
+      <p:pic>
+        <p:nvPicPr>
+          <p:cNvPr id="6" name="Picture 5"/>
+          <p:cNvPicPr>
+            <a:picLocks noChangeAspect="1"/>
+          </p:cNvPicPr>
+          <p:nvPr/>
+        </p:nvPicPr>
+        <p:blipFill>
+          <a:blip r:embed="rId2">
+            <a:extLst>
+              <a:ext uri="{28A0092B-C50C-407E-A947-70E740481C1C}">
+                <a14:useLocalDpi xmlns:a14="http://schemas.microsoft.com/office/drawing/2010/main" val="0"/>
+              </a:ext>
+            </a:extLst>
+          </a:blip>
+          <a:stretch>
+            <a:fillRect/>
+          </a:stretch>
+        </p:blipFill>
+        <p:spPr>
+          <a:xfrm>
+            <a:off x="8891016" y="2688336"/>
+            <a:ext cx="2758619" cy="3285744"/>
+          </a:xfrm>
+          <a:prstGeom prst="rect">
+            <a:avLst/>
+          </a:prstGeom>
+        </p:spPr>
+      </p:pic>
+      <p:pic>
+        <p:nvPicPr>
+          <p:cNvPr id="7" name="Picture 6"/>
+          <p:cNvPicPr>
+            <a:picLocks noChangeAspect="1"/>
+          </p:cNvPicPr>
+          <p:nvPr/>
+        </p:nvPicPr>
+        <p:blipFill>
+          <a:blip r:embed="rId3">
+            <a:extLst>
+              <a:ext uri="{28A0092B-C50C-407E-A947-70E740481C1C}">
+                <a14:useLocalDpi xmlns:a14="http://schemas.microsoft.com/office/drawing/2010/main" val="0"/>
+              </a:ext>
+            </a:extLst>
+          </a:blip>
+          <a:stretch>
+            <a:fillRect/>
+          </a:stretch>
+        </p:blipFill>
+        <p:spPr>
+          <a:xfrm>
+            <a:off x="4745737" y="3188208"/>
+            <a:ext cx="2286000" cy="2286000"/>
+          </a:xfrm>
+          <a:prstGeom prst="rect">
+            <a:avLst/>
+          </a:prstGeom>
+        </p:spPr>
+      </p:pic>
+      <p:pic>
+        <p:nvPicPr>
+          <p:cNvPr id="8" name="Picture 7"/>
+          <p:cNvPicPr>
+            <a:picLocks noChangeAspect="1"/>
+          </p:cNvPicPr>
+          <p:nvPr/>
+        </p:nvPicPr>
+        <p:blipFill>
+          <a:blip r:embed="rId4" cstate="print">
+            <a:extLst>
+              <a:ext uri="{28A0092B-C50C-407E-A947-70E740481C1C}">
+                <a14:useLocalDpi xmlns:a14="http://schemas.microsoft.com/office/drawing/2010/main" val="0"/>
+              </a:ext>
+            </a:extLst>
+          </a:blip>
+          <a:stretch>
+            <a:fillRect/>
+          </a:stretch>
+        </p:blipFill>
+        <p:spPr>
+          <a:xfrm>
+            <a:off x="588692" y="2688336"/>
+            <a:ext cx="2464308" cy="3285744"/>
+          </a:xfrm>
+          <a:prstGeom prst="rect">
+            <a:avLst/>
+          </a:prstGeom>
+        </p:spPr>
+      </p:pic>
+      <p:sp>
+        <p:nvSpPr>
+          <p:cNvPr id="9" name="TextBox 8"/>
+          <p:cNvSpPr txBox="1"/>
+          <p:nvPr/>
+        </p:nvSpPr>
+        <p:spPr>
+          <a:xfrm>
+            <a:off x="877824" y="2231136"/>
+            <a:ext cx="2175176" cy="369332"/>
+          </a:xfrm>
+          <a:prstGeom prst="rect">
+            <a:avLst/>
+          </a:prstGeom>
+          <a:noFill/>
+        </p:spPr>
+        <p:txBody>
+          <a:bodyPr wrap="square" rtlCol="0">
+            <a:spAutoFit/>
+          </a:bodyPr>
+          <a:lstStyle/>
+          <a:p>
+            <a:r>
+              <a:rPr lang="en-US" dirty="0" smtClean="0"/>
+              <a:t>Full suite of testing</a:t>
+            </a:r>
+            <a:endParaRPr lang="en-US" dirty="0"/>
+          </a:p>
+        </p:txBody>
+      </p:sp>
+      <p:sp>
+        <p:nvSpPr>
+          <p:cNvPr id="10" name="TextBox 9"/>
+          <p:cNvSpPr txBox="1"/>
+          <p:nvPr/>
+        </p:nvSpPr>
+        <p:spPr>
+          <a:xfrm>
+            <a:off x="4905757" y="2092636"/>
+            <a:ext cx="1965960" cy="646331"/>
+          </a:xfrm>
+          <a:prstGeom prst="rect">
+            <a:avLst/>
+          </a:prstGeom>
+          <a:noFill/>
+        </p:spPr>
+        <p:txBody>
+          <a:bodyPr wrap="square" rtlCol="0">
+            <a:spAutoFit/>
+          </a:bodyPr>
+          <a:lstStyle/>
+          <a:p>
+            <a:r>
+              <a:rPr lang="en-US" dirty="0" smtClean="0"/>
+              <a:t>Design it for really fucking cold</a:t>
+            </a:r>
+            <a:endParaRPr lang="en-US" dirty="0"/>
+          </a:p>
+        </p:txBody>
+      </p:sp>
+      <p:sp>
+        <p:nvSpPr>
+          <p:cNvPr id="11" name="TextBox 10"/>
+          <p:cNvSpPr txBox="1"/>
+          <p:nvPr/>
+        </p:nvSpPr>
+        <p:spPr>
+          <a:xfrm>
+            <a:off x="9500616" y="2225564"/>
+            <a:ext cx="2368296" cy="374904"/>
+          </a:xfrm>
+          <a:prstGeom prst="rect">
+            <a:avLst/>
+          </a:prstGeom>
+          <a:noFill/>
+        </p:spPr>
+        <p:txBody>
+          <a:bodyPr wrap="square" rtlCol="0">
+            <a:spAutoFit/>
+          </a:bodyPr>
+          <a:lstStyle/>
+          <a:p>
+            <a:r>
+              <a:rPr lang="en-US" dirty="0" smtClean="0"/>
+              <a:t>Make FIRE!!!!</a:t>
+            </a:r>
+            <a:endParaRPr lang="en-US" dirty="0"/>
+          </a:p>
+        </p:txBody>
+      </p:sp>
+    </p:spTree>
+    <p:extLst>
+      <p:ext uri="{BB962C8B-B14F-4D97-AF65-F5344CB8AC3E}">
+        <p14:creationId xmlns:p14="http://schemas.microsoft.com/office/powerpoint/2010/main" val="1148822604"/>
       </p:ext>
     </p:extLst>
   </p:cSld>
@@ -3769,4 +4244,265 @@
     </a:ext>
   </a:extLst>
 </a:theme>
+</file>
+
+<file path=ppt/theme/theme2.xml><?xml version="1.0" encoding="utf-8"?>
+<a:theme xmlns:a="http://schemas.openxmlformats.org/drawingml/2006/main" name="Office Theme">
+  <a:themeElements>
+    <a:clrScheme name="Office">
+      <a:dk1>
+        <a:sysClr val="windowText" lastClr="000000"/>
+      </a:dk1>
+      <a:lt1>
+        <a:sysClr val="window" lastClr="FFFFFF"/>
+      </a:lt1>
+      <a:dk2>
+        <a:srgbClr val="44546A"/>
+      </a:dk2>
+      <a:lt2>
+        <a:srgbClr val="E7E6E6"/>
+      </a:lt2>
+      <a:accent1>
+        <a:srgbClr val="5B9BD5"/>
+      </a:accent1>
+      <a:accent2>
+        <a:srgbClr val="ED7D31"/>
+      </a:accent2>
+      <a:accent3>
+        <a:srgbClr val="A5A5A5"/>
+      </a:accent3>
+      <a:accent4>
+        <a:srgbClr val="FFC000"/>
+      </a:accent4>
+      <a:accent5>
+        <a:srgbClr val="4472C4"/>
+      </a:accent5>
+      <a:accent6>
+        <a:srgbClr val="70AD47"/>
+      </a:accent6>
+      <a:hlink>
+        <a:srgbClr val="0563C1"/>
+      </a:hlink>
+      <a:folHlink>
+        <a:srgbClr val="954F72"/>
+      </a:folHlink>
+    </a:clrScheme>
+    <a:fontScheme name="Office">
+      <a:majorFont>
+        <a:latin typeface="Calibri Light" panose="020F0302020204030204"/>
+        <a:ea typeface=""/>
+        <a:cs typeface=""/>
+        <a:font script="Jpan" typeface="游ゴシック Light"/>
+        <a:font script="Hang" typeface="맑은 고딕"/>
+        <a:font script="Hans" typeface="等线 Light"/>
+        <a:font script="Hant" typeface="新細明體"/>
+        <a:font script="Arab" typeface="Times New Roman"/>
+        <a:font script="Hebr" typeface="Times New Roman"/>
+        <a:font script="Thai" typeface="Angsana New"/>
+        <a:font script="Ethi" typeface="Nyala"/>
+        <a:font script="Beng" typeface="Vrinda"/>
+        <a:font script="Gujr" typeface="Shruti"/>
+        <a:font script="Khmr" typeface="MoolBoran"/>
+        <a:font script="Knda" typeface="Tunga"/>
+        <a:font script="Guru" typeface="Raavi"/>
+        <a:font script="Cans" typeface="Euphemia"/>
+        <a:font script="Cher" typeface="Plantagenet Cherokee"/>
+        <a:font script="Yiii" typeface="Microsoft Yi Baiti"/>
+        <a:font script="Tibt" typeface="Microsoft Himalaya"/>
+        <a:font script="Thaa" typeface="MV Boli"/>
+        <a:font script="Deva" typeface="Mangal"/>
+        <a:font script="Telu" typeface="Gautami"/>
+        <a:font script="Taml" typeface="Latha"/>
+        <a:font script="Syrc" typeface="Estrangelo Edessa"/>
+        <a:font script="Orya" typeface="Kalinga"/>
+        <a:font script="Mlym" typeface="Kartika"/>
+        <a:font script="Laoo" typeface="DokChampa"/>
+        <a:font script="Sinh" typeface="Iskoola Pota"/>
+        <a:font script="Mong" typeface="Mongolian Baiti"/>
+        <a:font script="Viet" typeface="Times New Roman"/>
+        <a:font script="Uigh" typeface="Microsoft Uighur"/>
+        <a:font script="Geor" typeface="Sylfaen"/>
+      </a:majorFont>
+      <a:minorFont>
+        <a:latin typeface="Calibri" panose="020F0502020204030204"/>
+        <a:ea typeface=""/>
+        <a:cs typeface=""/>
+        <a:font script="Jpan" typeface="游ゴシック"/>
+        <a:font script="Hang" typeface="맑은 고딕"/>
+        <a:font script="Hans" typeface="等线"/>
+        <a:font script="Hant" typeface="新細明體"/>
+        <a:font script="Arab" typeface="Arial"/>
+        <a:font script="Hebr" typeface="Arial"/>
+        <a:font script="Thai" typeface="Cordia New"/>
+        <a:font script="Ethi" typeface="Nyala"/>
+        <a:font script="Beng" typeface="Vrinda"/>
+        <a:font script="Gujr" typeface="Shruti"/>
+        <a:font script="Khmr" typeface="DaunPenh"/>
+        <a:font script="Knda" typeface="Tunga"/>
+        <a:font script="Guru" typeface="Raavi"/>
+        <a:font script="Cans" typeface="Euphemia"/>
+        <a:font script="Cher" typeface="Plantagenet Cherokee"/>
+        <a:font script="Yiii" typeface="Microsoft Yi Baiti"/>
+        <a:font script="Tibt" typeface="Microsoft Himalaya"/>
+        <a:font script="Thaa" typeface="MV Boli"/>
+        <a:font script="Deva" typeface="Mangal"/>
+        <a:font script="Telu" typeface="Gautami"/>
+        <a:font script="Taml" typeface="Latha"/>
+        <a:font script="Syrc" typeface="Estrangelo Edessa"/>
+        <a:font script="Orya" typeface="Kalinga"/>
+        <a:font script="Mlym" typeface="Kartika"/>
+        <a:font script="Laoo" typeface="DokChampa"/>
+        <a:font script="Sinh" typeface="Iskoola Pota"/>
+        <a:font script="Mong" typeface="Mongolian Baiti"/>
+        <a:font script="Viet" typeface="Arial"/>
+        <a:font script="Uigh" typeface="Microsoft Uighur"/>
+        <a:font script="Geor" typeface="Sylfaen"/>
+      </a:minorFont>
+    </a:fontScheme>
+    <a:fmtScheme name="Office">
+      <a:fillStyleLst>
+        <a:solidFill>
+          <a:schemeClr val="phClr"/>
+        </a:solidFill>
+        <a:gradFill rotWithShape="1">
+          <a:gsLst>
+            <a:gs pos="0">
+              <a:schemeClr val="phClr">
+                <a:lumMod val="110000"/>
+                <a:satMod val="105000"/>
+                <a:tint val="67000"/>
+              </a:schemeClr>
+            </a:gs>
+            <a:gs pos="50000">
+              <a:schemeClr val="phClr">
+                <a:lumMod val="105000"/>
+                <a:satMod val="103000"/>
+                <a:tint val="73000"/>
+              </a:schemeClr>
+            </a:gs>
+            <a:gs pos="100000">
+              <a:schemeClr val="phClr">
+                <a:lumMod val="105000"/>
+                <a:satMod val="109000"/>
+                <a:tint val="81000"/>
+              </a:schemeClr>
+            </a:gs>
+          </a:gsLst>
+          <a:lin ang="5400000" scaled="0"/>
+        </a:gradFill>
+        <a:gradFill rotWithShape="1">
+          <a:gsLst>
+            <a:gs pos="0">
+              <a:schemeClr val="phClr">
+                <a:satMod val="103000"/>
+                <a:lumMod val="102000"/>
+                <a:tint val="94000"/>
+              </a:schemeClr>
+            </a:gs>
+            <a:gs pos="50000">
+              <a:schemeClr val="phClr">
+                <a:satMod val="110000"/>
+                <a:lumMod val="100000"/>
+                <a:shade val="100000"/>
+              </a:schemeClr>
+            </a:gs>
+            <a:gs pos="100000">
+              <a:schemeClr val="phClr">
+                <a:lumMod val="99000"/>
+                <a:satMod val="120000"/>
+                <a:shade val="78000"/>
+              </a:schemeClr>
+            </a:gs>
+          </a:gsLst>
+          <a:lin ang="5400000" scaled="0"/>
+        </a:gradFill>
+      </a:fillStyleLst>
+      <a:lnStyleLst>
+        <a:ln w="6350" cap="flat" cmpd="sng" algn="ctr">
+          <a:solidFill>
+            <a:schemeClr val="phClr"/>
+          </a:solidFill>
+          <a:prstDash val="solid"/>
+          <a:miter lim="800000"/>
+        </a:ln>
+        <a:ln w="12700" cap="flat" cmpd="sng" algn="ctr">
+          <a:solidFill>
+            <a:schemeClr val="phClr"/>
+          </a:solidFill>
+          <a:prstDash val="solid"/>
+          <a:miter lim="800000"/>
+        </a:ln>
+        <a:ln w="19050" cap="flat" cmpd="sng" algn="ctr">
+          <a:solidFill>
+            <a:schemeClr val="phClr"/>
+          </a:solidFill>
+          <a:prstDash val="solid"/>
+          <a:miter lim="800000"/>
+        </a:ln>
+      </a:lnStyleLst>
+      <a:effectStyleLst>
+        <a:effectStyle>
+          <a:effectLst/>
+        </a:effectStyle>
+        <a:effectStyle>
+          <a:effectLst/>
+        </a:effectStyle>
+        <a:effectStyle>
+          <a:effectLst>
+            <a:outerShdw blurRad="57150" dist="19050" dir="5400000" algn="ctr" rotWithShape="0">
+              <a:srgbClr val="000000">
+                <a:alpha val="63000"/>
+              </a:srgbClr>
+            </a:outerShdw>
+          </a:effectLst>
+        </a:effectStyle>
+      </a:effectStyleLst>
+      <a:bgFillStyleLst>
+        <a:solidFill>
+          <a:schemeClr val="phClr"/>
+        </a:solidFill>
+        <a:solidFill>
+          <a:schemeClr val="phClr">
+            <a:tint val="95000"/>
+            <a:satMod val="170000"/>
+          </a:schemeClr>
+        </a:solidFill>
+        <a:gradFill rotWithShape="1">
+          <a:gsLst>
+            <a:gs pos="0">
+              <a:schemeClr val="phClr">
+                <a:tint val="93000"/>
+                <a:satMod val="150000"/>
+                <a:shade val="98000"/>
+                <a:lumMod val="102000"/>
+              </a:schemeClr>
+            </a:gs>
+            <a:gs pos="50000">
+              <a:schemeClr val="phClr">
+                <a:tint val="98000"/>
+                <a:satMod val="130000"/>
+                <a:shade val="90000"/>
+                <a:lumMod val="103000"/>
+              </a:schemeClr>
+            </a:gs>
+            <a:gs pos="100000">
+              <a:schemeClr val="phClr">
+                <a:shade val="63000"/>
+                <a:satMod val="120000"/>
+              </a:schemeClr>
+            </a:gs>
+          </a:gsLst>
+          <a:lin ang="5400000" scaled="0"/>
+        </a:gradFill>
+      </a:bgFillStyleLst>
+    </a:fmtScheme>
+  </a:themeElements>
+  <a:objectDefaults/>
+  <a:extraClrSchemeLst/>
+  <a:extLst>
+    <a:ext uri="{05A4C25C-085E-4340-85A3-A5531E510DB2}">
+      <thm15:themeFamily xmlns:thm15="http://schemas.microsoft.com/office/thememl/2012/main" name="Office Theme" id="{62F939B6-93AF-4DB8-9C6B-D6C7DFDC589F}" vid="{4A3C46E8-61CC-4603-A589-7422A47A8E4A}"/>
+    </a:ext>
+  </a:extLst>
+</a:theme>
 </file>